--- a/resources/CodeLab Retail ML Overview.pptx
+++ b/resources/CodeLab Retail ML Overview.pptx
@@ -123,6 +123,11 @@
             <a:srgbClr val="A4A3A4"/>
           </p15:clr>
         </p15:guide>
+        <p15:guide id="3" orient="horz" pos="2160">
+          <p15:clr>
+            <a:srgbClr val="A4A3A4"/>
+          </p15:clr>
+        </p15:guide>
       </p15:sldGuideLst>
     </p:ext>
   </p:extLst>
@@ -217,7 +222,7 @@
           <a:p>
             <a:fld id="{2852DC10-65F1-4F14-A1AA-164D41BDCDE2}" type="datetimeFigureOut">
               <a:rPr lang="en-US" smtClean="0"/>
-              <a:t>7/6/2020</a:t>
+              <a:t>7/7/2020</a:t>
             </a:fld>
             <a:endParaRPr lang="en-US" dirty="0"/>
           </a:p>
@@ -966,7 +971,7 @@
           <a:graphicData uri="http://schemas.openxmlformats.org/presentationml/2006/ole">
             <mc:AlternateContent xmlns:mc="http://schemas.openxmlformats.org/markup-compatibility/2006">
               <mc:Choice xmlns:v="urn:schemas-microsoft-com:vml" Requires="v">
-                <p:oleObj spid="_x0000_s2177" name="think-cell Slide" r:id="rId8" imgW="498" imgH="499" progId="TCLayout.ActiveDocument.1">
+                <p:oleObj spid="_x0000_s2180" name="think-cell Slide" r:id="rId8" imgW="498" imgH="499" progId="TCLayout.ActiveDocument.1">
                   <p:embed/>
                 </p:oleObj>
               </mc:Choice>
@@ -1188,14 +1193,14 @@
           </a:ln>
           <a:extLst>
             <a:ext uri="{909E8E84-426E-40dd-AFC4-6F175D3DCCD1}">
-              <a14:hiddenFill xmlns="" xmlns:a14="http://schemas.microsoft.com/office/drawing/2010/main">
+              <a14:hiddenFill xmlns:a14="http://schemas.microsoft.com/office/drawing/2010/main" xmlns="">
                 <a:solidFill>
                   <a:srgbClr val="FFFFFF"/>
                 </a:solidFill>
               </a14:hiddenFill>
             </a:ext>
             <a:ext uri="{91240B29-F687-4f45-9708-019B960494DF}">
-              <a14:hiddenLine xmlns="" xmlns:a14="http://schemas.microsoft.com/office/drawing/2010/main" w="12700">
+              <a14:hiddenLine xmlns:a14="http://schemas.microsoft.com/office/drawing/2010/main" xmlns="" w="12700">
                 <a:solidFill>
                   <a:srgbClr val="000000"/>
                 </a:solidFill>
@@ -7334,7 +7339,7 @@
                   <a:cs typeface="Arial"/>
                   <a:sym typeface="Arial"/>
                 </a:rPr>
-                <a:t>3</a:t>
+                <a:t>4</a:t>
               </a:r>
             </a:p>
           </p:txBody>
@@ -9296,7 +9301,7 @@
           <a:graphicData uri="http://schemas.openxmlformats.org/presentationml/2006/ole">
             <mc:AlternateContent xmlns:mc="http://schemas.openxmlformats.org/markup-compatibility/2006">
               <mc:Choice xmlns:v="urn:schemas-microsoft-com:vml" Requires="v">
-                <p:oleObj spid="_x0000_s4150" name="Document" showAsIcon="1" r:id="rId4" imgW="914400" imgH="792360" progId="Word.Document.12">
+                <p:oleObj spid="_x0000_s4153" name="Document" showAsIcon="1" r:id="rId4" imgW="914400" imgH="792360" progId="Word.Document.12">
                   <p:embed/>
                 </p:oleObj>
               </mc:Choice>
@@ -9895,7 +9900,7 @@
         <p:spPr>
           <a:xfrm>
             <a:off x="6278880" y="2044339"/>
-            <a:ext cx="5181600" cy="3143361"/>
+            <a:ext cx="5181600" cy="4269823"/>
           </a:xfrm>
           <a:prstGeom prst="rect">
             <a:avLst/>
@@ -9920,11 +9925,11 @@
             </a:pPr>
             <a:r>
               <a:rPr lang="en-US" sz="1200" dirty="0"/>
-              <a:t>Machine learning basics</a:t>
+              <a:t>Real-world software engineering skills</a:t>
             </a:r>
           </a:p>
           <a:p>
-            <a:pPr marL="173038" indent="-173038" fontAlgn="base">
+            <a:pPr marL="630238" lvl="1" indent="-173038" fontAlgn="base">
               <a:lnSpc>
                 <a:spcPct val="120000"/>
               </a:lnSpc>
@@ -9940,7 +9945,7 @@
             </a:r>
           </a:p>
           <a:p>
-            <a:pPr marL="630238" lvl="1" indent="-173038" fontAlgn="base">
+            <a:pPr marL="1087438" lvl="2" indent="-173038" fontAlgn="base">
               <a:lnSpc>
                 <a:spcPct val="120000"/>
               </a:lnSpc>
@@ -9956,7 +9961,7 @@
             </a:r>
           </a:p>
           <a:p>
-            <a:pPr marL="630238" lvl="1" indent="-173038" fontAlgn="base">
+            <a:pPr marL="1087438" lvl="2" indent="-173038" fontAlgn="base">
               <a:lnSpc>
                 <a:spcPct val="120000"/>
               </a:lnSpc>
@@ -9972,7 +9977,7 @@
             </a:r>
           </a:p>
           <a:p>
-            <a:pPr marL="173038" indent="-173038" fontAlgn="base">
+            <a:pPr marL="630238" lvl="1" indent="-173038" fontAlgn="base">
               <a:lnSpc>
                 <a:spcPct val="120000"/>
               </a:lnSpc>
@@ -9995,23 +10000,7 @@
             </a:r>
           </a:p>
           <a:p>
-            <a:pPr marL="173038" indent="-173038" fontAlgn="base">
-              <a:lnSpc>
-                <a:spcPct val="120000"/>
-              </a:lnSpc>
-              <a:spcAft>
-                <a:spcPts val="1200"/>
-              </a:spcAft>
-              <a:buFont typeface="Arial" panose="020B0604020202020204" pitchFamily="34" charset="0"/>
-              <a:buChar char="•"/>
-            </a:pPr>
-            <a:r>
-              <a:rPr lang="en-US" sz="1200" dirty="0"/>
-              <a:t>Collaborating with others on Trello and GitHub</a:t>
-            </a:r>
-          </a:p>
-          <a:p>
-            <a:pPr marL="173038" indent="-173038" fontAlgn="base">
+            <a:pPr marL="630238" lvl="1" indent="-173038" fontAlgn="base">
               <a:lnSpc>
                 <a:spcPct val="120000"/>
               </a:lnSpc>
@@ -10039,7 +10028,87 @@
             </a:pPr>
             <a:r>
               <a:rPr lang="en-US" sz="1200" dirty="0"/>
-              <a:t>How to craft killer resume bullets</a:t>
+              <a:t>Machine learning skills</a:t>
+            </a:r>
+          </a:p>
+          <a:p>
+            <a:pPr marL="630238" lvl="1" indent="-173038" fontAlgn="base">
+              <a:lnSpc>
+                <a:spcPct val="120000"/>
+              </a:lnSpc>
+              <a:spcAft>
+                <a:spcPts val="1200"/>
+              </a:spcAft>
+              <a:buFont typeface="Arial" panose="020B0604020202020204" pitchFamily="34" charset="0"/>
+              <a:buChar char="•"/>
+            </a:pPr>
+            <a:r>
+              <a:rPr lang="en-US" sz="1200" dirty="0"/>
+              <a:t>Feature engineering</a:t>
+            </a:r>
+          </a:p>
+          <a:p>
+            <a:pPr marL="630238" lvl="1" indent="-173038" fontAlgn="base">
+              <a:lnSpc>
+                <a:spcPct val="120000"/>
+              </a:lnSpc>
+              <a:spcAft>
+                <a:spcPts val="1200"/>
+              </a:spcAft>
+              <a:buFont typeface="Arial" panose="020B0604020202020204" pitchFamily="34" charset="0"/>
+              <a:buChar char="•"/>
+            </a:pPr>
+            <a:r>
+              <a:rPr lang="en-US" sz="1200" dirty="0"/>
+              <a:t>Algos (</a:t>
+            </a:r>
+            <a:r>
+              <a:rPr lang="en-US" sz="1200" dirty="0" err="1"/>
+              <a:t>XGBoost</a:t>
+            </a:r>
+            <a:r>
+              <a:rPr lang="en-US" sz="1200" dirty="0"/>
+              <a:t>, </a:t>
+            </a:r>
+            <a:r>
+              <a:rPr lang="en-US" sz="1200" dirty="0" err="1"/>
+              <a:t>LightGBM</a:t>
+            </a:r>
+            <a:r>
+              <a:rPr lang="en-US" sz="1200" dirty="0"/>
+              <a:t>)</a:t>
+            </a:r>
+          </a:p>
+          <a:p>
+            <a:pPr marL="630238" lvl="1" indent="-173038" fontAlgn="base">
+              <a:lnSpc>
+                <a:spcPct val="120000"/>
+              </a:lnSpc>
+              <a:spcAft>
+                <a:spcPts val="1200"/>
+              </a:spcAft>
+              <a:buFont typeface="Arial" panose="020B0604020202020204" pitchFamily="34" charset="0"/>
+              <a:buChar char="•"/>
+            </a:pPr>
+            <a:r>
+              <a:rPr lang="en-US" sz="1200" dirty="0"/>
+              <a:t>Validation (and how not to do it)</a:t>
+            </a:r>
+          </a:p>
+          <a:p>
+            <a:pPr marL="173038" indent="-173038" fontAlgn="base">
+              <a:lnSpc>
+                <a:spcPct val="120000"/>
+              </a:lnSpc>
+              <a:spcAft>
+                <a:spcPts val="1200"/>
+              </a:spcAft>
+              <a:buFont typeface="Arial" panose="020B0604020202020204" pitchFamily="34" charset="0"/>
+              <a:buChar char="•"/>
+            </a:pPr>
+            <a:r>
+              <a:rPr lang="en-US" sz="1200" dirty="0"/>
+              <a:t>Collaborating with other programmers on GitHub and Trello</a:t>
             </a:r>
           </a:p>
         </p:txBody>
